--- a/doc/pre-ppt.pptx
+++ b/doc/pre-ppt.pptx
@@ -5,21 +5,23 @@
     <p:sldMasterId id="2147483660" r:id="rId4"/>
   </p:sldMasterIdLst>
   <p:notesMasterIdLst>
-    <p:notesMasterId r:id="rId14"/>
+    <p:notesMasterId r:id="rId16"/>
   </p:notesMasterIdLst>
   <p:handoutMasterIdLst>
-    <p:handoutMasterId r:id="rId15"/>
+    <p:handoutMasterId r:id="rId17"/>
   </p:handoutMasterIdLst>
   <p:sldIdLst>
     <p:sldId id="257" r:id="rId5"/>
     <p:sldId id="258" r:id="rId6"/>
     <p:sldId id="259" r:id="rId7"/>
     <p:sldId id="260" r:id="rId8"/>
-    <p:sldId id="261" r:id="rId9"/>
-    <p:sldId id="262" r:id="rId10"/>
-    <p:sldId id="265" r:id="rId11"/>
-    <p:sldId id="266" r:id="rId12"/>
-    <p:sldId id="264" r:id="rId13"/>
+    <p:sldId id="268" r:id="rId9"/>
+    <p:sldId id="261" r:id="rId10"/>
+    <p:sldId id="262" r:id="rId11"/>
+    <p:sldId id="265" r:id="rId12"/>
+    <p:sldId id="266" r:id="rId13"/>
+    <p:sldId id="267" r:id="rId14"/>
+    <p:sldId id="264" r:id="rId15"/>
   </p:sldIdLst>
   <p:sldSz cx="12188825" cy="6858000"/>
   <p:notesSz cx="6858000" cy="9144000"/>
@@ -200,6 +202,135 @@
 </p:presentation>
 </file>
 
+<file path=ppt/revisionInfo.xml><?xml version="1.0" encoding="utf-8"?>
+<p1510:revInfo xmlns:a="http://schemas.openxmlformats.org/drawingml/2006/main" xmlns:r="http://schemas.openxmlformats.org/officeDocument/2006/relationships" xmlns:p1510="http://schemas.microsoft.com/office/powerpoint/2015/10/main">
+  <p1510:revLst>
+    <p1510:client id="{874F807C-E109-4FA2-AD0F-37299E299A09}" v="88" dt="2019-12-23T06:20:07.535"/>
+  </p1510:revLst>
+</p1510:revInfo>
+</file>
+
+<file path=ppt/changesInfos/changesInfo1.xml><?xml version="1.0" encoding="utf-8"?>
+<pc:chgInfo xmlns:a="http://schemas.openxmlformats.org/drawingml/2006/main" xmlns:r="http://schemas.openxmlformats.org/officeDocument/2006/relationships" xmlns:ac="http://schemas.microsoft.com/office/drawing/2013/main/command" xmlns:pc="http://schemas.microsoft.com/office/powerpoint/2013/main/command">
+  <pc:docChgLst>
+    <pc:chgData name="Moe Gogo" userId="a1a208ea6331bb23" providerId="LiveId" clId="{874F807C-E109-4FA2-AD0F-37299E299A09}"/>
+    <pc:docChg chg="undo custSel addSld delSld modSld">
+      <pc:chgData name="Moe Gogo" userId="a1a208ea6331bb23" providerId="LiveId" clId="{874F807C-E109-4FA2-AD0F-37299E299A09}" dt="2019-12-23T06:20:07.535" v="428"/>
+      <pc:docMkLst>
+        <pc:docMk/>
+      </pc:docMkLst>
+      <pc:sldChg chg="modSp">
+        <pc:chgData name="Moe Gogo" userId="a1a208ea6331bb23" providerId="LiveId" clId="{874F807C-E109-4FA2-AD0F-37299E299A09}" dt="2019-12-23T06:06:29.142" v="0" actId="20577"/>
+        <pc:sldMkLst>
+          <pc:docMk/>
+          <pc:sldMk cId="3388139804" sldId="261"/>
+        </pc:sldMkLst>
+        <pc:spChg chg="mod">
+          <ac:chgData name="Moe Gogo" userId="a1a208ea6331bb23" providerId="LiveId" clId="{874F807C-E109-4FA2-AD0F-37299E299A09}" dt="2019-12-23T06:06:29.142" v="0" actId="20577"/>
+          <ac:spMkLst>
+            <pc:docMk/>
+            <pc:sldMk cId="3388139804" sldId="261"/>
+            <ac:spMk id="3" creationId="{00000000-0000-0000-0000-000000000000}"/>
+          </ac:spMkLst>
+        </pc:spChg>
+      </pc:sldChg>
+      <pc:sldChg chg="addSp delSp modSp add">
+        <pc:chgData name="Moe Gogo" userId="a1a208ea6331bb23" providerId="LiveId" clId="{874F807C-E109-4FA2-AD0F-37299E299A09}" dt="2019-12-23T06:16:00.740" v="320"/>
+        <pc:sldMkLst>
+          <pc:docMk/>
+          <pc:sldMk cId="2969646239" sldId="267"/>
+        </pc:sldMkLst>
+        <pc:spChg chg="mod">
+          <ac:chgData name="Moe Gogo" userId="a1a208ea6331bb23" providerId="LiveId" clId="{874F807C-E109-4FA2-AD0F-37299E299A09}" dt="2019-12-23T06:14:06.537" v="6" actId="20577"/>
+          <ac:spMkLst>
+            <pc:docMk/>
+            <pc:sldMk cId="2969646239" sldId="267"/>
+            <ac:spMk id="2" creationId="{1DC902C8-DE28-4801-B6AC-9D7F2DE8746F}"/>
+          </ac:spMkLst>
+        </pc:spChg>
+        <pc:spChg chg="add mod">
+          <ac:chgData name="Moe Gogo" userId="a1a208ea6331bb23" providerId="LiveId" clId="{874F807C-E109-4FA2-AD0F-37299E299A09}" dt="2019-12-23T06:16:00.740" v="320"/>
+          <ac:spMkLst>
+            <pc:docMk/>
+            <pc:sldMk cId="2969646239" sldId="267"/>
+            <ac:spMk id="4" creationId="{ABDCDAFF-2188-43A6-8DEA-155B312E3BD5}"/>
+          </ac:spMkLst>
+        </pc:spChg>
+        <pc:picChg chg="del">
+          <ac:chgData name="Moe Gogo" userId="a1a208ea6331bb23" providerId="LiveId" clId="{874F807C-E109-4FA2-AD0F-37299E299A09}" dt="2019-12-23T06:14:16.456" v="7" actId="478"/>
+          <ac:picMkLst>
+            <pc:docMk/>
+            <pc:sldMk cId="2969646239" sldId="267"/>
+            <ac:picMk id="8" creationId="{4A1CE84F-AABD-4E66-BF03-7ADD3954BC87}"/>
+          </ac:picMkLst>
+        </pc:picChg>
+      </pc:sldChg>
+      <pc:sldChg chg="delSp add del">
+        <pc:chgData name="Moe Gogo" userId="a1a208ea6331bb23" providerId="LiveId" clId="{874F807C-E109-4FA2-AD0F-37299E299A09}" dt="2019-12-23T06:17:28.790" v="325" actId="47"/>
+        <pc:sldMkLst>
+          <pc:docMk/>
+          <pc:sldMk cId="3154395067" sldId="268"/>
+        </pc:sldMkLst>
+        <pc:picChg chg="del">
+          <ac:chgData name="Moe Gogo" userId="a1a208ea6331bb23" providerId="LiveId" clId="{874F807C-E109-4FA2-AD0F-37299E299A09}" dt="2019-12-23T06:17:24.748" v="324" actId="478"/>
+          <ac:picMkLst>
+            <pc:docMk/>
+            <pc:sldMk cId="3154395067" sldId="268"/>
+            <ac:picMk id="6" creationId="{4850FA3D-3649-456F-A424-0DDCD51EC2CA}"/>
+          </ac:picMkLst>
+        </pc:picChg>
+      </pc:sldChg>
+      <pc:sldChg chg="addSp delSp modSp add">
+        <pc:chgData name="Moe Gogo" userId="a1a208ea6331bb23" providerId="LiveId" clId="{874F807C-E109-4FA2-AD0F-37299E299A09}" dt="2019-12-23T06:20:07.535" v="428"/>
+        <pc:sldMkLst>
+          <pc:docMk/>
+          <pc:sldMk cId="3471244584" sldId="268"/>
+        </pc:sldMkLst>
+        <pc:spChg chg="mod">
+          <ac:chgData name="Moe Gogo" userId="a1a208ea6331bb23" providerId="LiveId" clId="{874F807C-E109-4FA2-AD0F-37299E299A09}" dt="2019-12-23T06:18:01.234" v="328"/>
+          <ac:spMkLst>
+            <pc:docMk/>
+            <pc:sldMk cId="3471244584" sldId="268"/>
+            <ac:spMk id="2" creationId="{00000000-0000-0000-0000-000000000000}"/>
+          </ac:spMkLst>
+        </pc:spChg>
+        <pc:spChg chg="add del mod">
+          <ac:chgData name="Moe Gogo" userId="a1a208ea6331bb23" providerId="LiveId" clId="{874F807C-E109-4FA2-AD0F-37299E299A09}" dt="2019-12-23T06:18:37.471" v="338" actId="478"/>
+          <ac:spMkLst>
+            <pc:docMk/>
+            <pc:sldMk cId="3471244584" sldId="268"/>
+            <ac:spMk id="3" creationId="{3EB84193-2F30-4C0A-9054-8B8A753513EC}"/>
+          </ac:spMkLst>
+        </pc:spChg>
+        <pc:spChg chg="add mod">
+          <ac:chgData name="Moe Gogo" userId="a1a208ea6331bb23" providerId="LiveId" clId="{874F807C-E109-4FA2-AD0F-37299E299A09}" dt="2019-12-23T06:20:07.535" v="428"/>
+          <ac:spMkLst>
+            <pc:docMk/>
+            <pc:sldMk cId="3471244584" sldId="268"/>
+            <ac:spMk id="5" creationId="{23E95F43-0028-4971-99AA-AE50269A114A}"/>
+          </ac:spMkLst>
+        </pc:spChg>
+        <pc:picChg chg="del">
+          <ac:chgData name="Moe Gogo" userId="a1a208ea6331bb23" providerId="LiveId" clId="{874F807C-E109-4FA2-AD0F-37299E299A09}" dt="2019-12-23T06:17:54.859" v="327" actId="478"/>
+          <ac:picMkLst>
+            <pc:docMk/>
+            <pc:sldMk cId="3471244584" sldId="268"/>
+            <ac:picMk id="6" creationId="{4850FA3D-3649-456F-A424-0DDCD51EC2CA}"/>
+          </ac:picMkLst>
+        </pc:picChg>
+      </pc:sldChg>
+      <pc:sldChg chg="add del">
+        <pc:chgData name="Moe Gogo" userId="a1a208ea6331bb23" providerId="LiveId" clId="{874F807C-E109-4FA2-AD0F-37299E299A09}" dt="2019-12-23T06:17:20.904" v="322" actId="47"/>
+        <pc:sldMkLst>
+          <pc:docMk/>
+          <pc:sldMk cId="3517717206" sldId="268"/>
+        </pc:sldMkLst>
+      </pc:sldChg>
+    </pc:docChg>
+  </pc:docChgLst>
+</pc:chgInfo>
+</file>
+
 <file path=ppt/handoutMasters/handoutMaster1.xml><?xml version="1.0" encoding="utf-8"?>
 <p:handoutMaster xmlns:a="http://schemas.openxmlformats.org/drawingml/2006/main" xmlns:r="http://schemas.openxmlformats.org/officeDocument/2006/relationships" xmlns:p="http://schemas.openxmlformats.org/presentationml/2006/main">
   <p:cSld>
@@ -1213,7 +1344,7 @@
     </p:spTree>
     <p:extLst>
       <p:ext uri="{BB962C8B-B14F-4D97-AF65-F5344CB8AC3E}">
-        <p14:creationId xmlns:p14="http://schemas.microsoft.com/office/powerpoint/2010/main" val="4218495576"/>
+        <p14:creationId xmlns:p14="http://schemas.microsoft.com/office/powerpoint/2010/main" val="2692130928"/>
       </p:ext>
     </p:extLst>
   </p:cSld>
@@ -1296,6 +1427,100 @@
                 <a:ea typeface="宋体" panose="02010600030101010101" pitchFamily="2" charset="-122"/>
               </a:rPr>
               <a:t>6</a:t>
+            </a:fld>
+            <a:endParaRPr lang="zh-CN" altLang="en-US" dirty="0">
+              <a:latin typeface="宋体" panose="02010600030101010101" pitchFamily="2" charset="-122"/>
+              <a:ea typeface="宋体" panose="02010600030101010101" pitchFamily="2" charset="-122"/>
+            </a:endParaRPr>
+          </a:p>
+        </p:txBody>
+      </p:sp>
+    </p:spTree>
+    <p:extLst>
+      <p:ext uri="{BB962C8B-B14F-4D97-AF65-F5344CB8AC3E}">
+        <p14:creationId xmlns:p14="http://schemas.microsoft.com/office/powerpoint/2010/main" val="4218495576"/>
+      </p:ext>
+    </p:extLst>
+  </p:cSld>
+  <p:clrMapOvr>
+    <a:masterClrMapping/>
+  </p:clrMapOvr>
+</p:notes>
+</file>
+
+<file path=ppt/notesSlides/notesSlide7.xml><?xml version="1.0" encoding="utf-8"?>
+<p:notes xmlns:a="http://schemas.openxmlformats.org/drawingml/2006/main" xmlns:r="http://schemas.openxmlformats.org/officeDocument/2006/relationships" xmlns:p="http://schemas.openxmlformats.org/presentationml/2006/main">
+  <p:cSld>
+    <p:spTree>
+      <p:nvGrpSpPr>
+        <p:cNvPr id="1" name=""/>
+        <p:cNvGrpSpPr/>
+        <p:nvPr/>
+      </p:nvGrpSpPr>
+      <p:grpSpPr>
+        <a:xfrm>
+          <a:off x="0" y="0"/>
+          <a:ext cx="0" cy="0"/>
+          <a:chOff x="0" y="0"/>
+          <a:chExt cx="0" cy="0"/>
+        </a:xfrm>
+      </p:grpSpPr>
+      <p:sp>
+        <p:nvSpPr>
+          <p:cNvPr id="2" name="幻灯片图像占位符 1"/>
+          <p:cNvSpPr>
+            <a:spLocks noGrp="1" noRot="1" noChangeAspect="1"/>
+          </p:cNvSpPr>
+          <p:nvPr>
+            <p:ph type="sldImg"/>
+          </p:nvPr>
+        </p:nvSpPr>
+        <p:spPr/>
+      </p:sp>
+      <p:sp>
+        <p:nvSpPr>
+          <p:cNvPr id="3" name="备注占位符 2"/>
+          <p:cNvSpPr>
+            <a:spLocks noGrp="1"/>
+          </p:cNvSpPr>
+          <p:nvPr>
+            <p:ph type="body" idx="1"/>
+          </p:nvPr>
+        </p:nvSpPr>
+        <p:spPr/>
+        <p:txBody>
+          <a:bodyPr/>
+          <a:lstStyle/>
+          <a:p>
+            <a:endParaRPr lang="zh-CN" altLang="en-US">
+              <a:latin typeface="宋体" panose="02010600030101010101" pitchFamily="2" charset="-122"/>
+              <a:ea typeface="宋体" panose="02010600030101010101" pitchFamily="2" charset="-122"/>
+            </a:endParaRPr>
+          </a:p>
+        </p:txBody>
+      </p:sp>
+      <p:sp>
+        <p:nvSpPr>
+          <p:cNvPr id="4" name="幻灯片编号占位符 3"/>
+          <p:cNvSpPr>
+            <a:spLocks noGrp="1"/>
+          </p:cNvSpPr>
+          <p:nvPr>
+            <p:ph type="sldNum" sz="quarter" idx="10"/>
+          </p:nvPr>
+        </p:nvSpPr>
+        <p:spPr/>
+        <p:txBody>
+          <a:bodyPr/>
+          <a:lstStyle/>
+          <a:p>
+            <a:pPr rtl="0"/>
+            <a:fld id="{6BB98AFB-CB0D-4DFE-87B9-B4B0D0DE73CD}" type="slidenum">
+              <a:rPr lang="en-US" altLang="zh-CN" smtClean="0">
+                <a:latin typeface="宋体" panose="02010600030101010101" pitchFamily="2" charset="-122"/>
+                <a:ea typeface="宋体" panose="02010600030101010101" pitchFamily="2" charset="-122"/>
+              </a:rPr>
+              <a:t>7</a:t>
             </a:fld>
             <a:endParaRPr lang="zh-CN" altLang="en-US" dirty="0">
               <a:latin typeface="宋体" panose="02010600030101010101" pitchFamily="2" charset="-122"/>
@@ -4836,6 +5061,253 @@
 </p:sld>
 </file>
 
+<file path=ppt/slides/slide10.xml><?xml version="1.0" encoding="utf-8"?>
+<p:sld xmlns:a="http://schemas.openxmlformats.org/drawingml/2006/main" xmlns:r="http://schemas.openxmlformats.org/officeDocument/2006/relationships" xmlns:p="http://schemas.openxmlformats.org/presentationml/2006/main">
+  <p:cSld>
+    <p:spTree>
+      <p:nvGrpSpPr>
+        <p:cNvPr id="1" name=""/>
+        <p:cNvGrpSpPr/>
+        <p:nvPr/>
+      </p:nvGrpSpPr>
+      <p:grpSpPr>
+        <a:xfrm>
+          <a:off x="0" y="0"/>
+          <a:ext cx="0" cy="0"/>
+          <a:chOff x="0" y="0"/>
+          <a:chExt cx="0" cy="0"/>
+        </a:xfrm>
+      </p:grpSpPr>
+      <p:sp>
+        <p:nvSpPr>
+          <p:cNvPr id="2" name="标题 1">
+            <a:extLst>
+              <a:ext uri="{FF2B5EF4-FFF2-40B4-BE49-F238E27FC236}">
+                <a16:creationId xmlns:a16="http://schemas.microsoft.com/office/drawing/2014/main" id="{1DC902C8-DE28-4801-B6AC-9D7F2DE8746F}"/>
+              </a:ext>
+            </a:extLst>
+          </p:cNvPr>
+          <p:cNvSpPr>
+            <a:spLocks noGrp="1"/>
+          </p:cNvSpPr>
+          <p:nvPr>
+            <p:ph type="title"/>
+          </p:nvPr>
+        </p:nvSpPr>
+        <p:spPr/>
+        <p:txBody>
+          <a:bodyPr/>
+          <a:lstStyle/>
+          <a:p>
+            <a:r>
+              <a:rPr lang="en-US" altLang="zh-CN" dirty="0"/>
+              <a:t>Bonus</a:t>
+            </a:r>
+            <a:endParaRPr lang="zh-CN" altLang="en-US" dirty="0"/>
+          </a:p>
+        </p:txBody>
+      </p:sp>
+      <p:sp>
+        <p:nvSpPr>
+          <p:cNvPr id="4" name="内容占位符 2">
+            <a:extLst>
+              <a:ext uri="{FF2B5EF4-FFF2-40B4-BE49-F238E27FC236}">
+                <a16:creationId xmlns:a16="http://schemas.microsoft.com/office/drawing/2014/main" id="{ABDCDAFF-2188-43A6-8DEA-155B312E3BD5}"/>
+              </a:ext>
+            </a:extLst>
+          </p:cNvPr>
+          <p:cNvSpPr>
+            <a:spLocks noGrp="1"/>
+          </p:cNvSpPr>
+          <p:nvPr>
+            <p:ph idx="1"/>
+          </p:nvPr>
+        </p:nvSpPr>
+        <p:spPr>
+          <a:xfrm>
+            <a:off x="1065212" y="1828800"/>
+            <a:ext cx="8686801" cy="4191000"/>
+          </a:xfrm>
+        </p:spPr>
+        <p:txBody>
+          <a:bodyPr rtlCol="0"/>
+          <a:lstStyle/>
+          <a:p>
+            <a:r>
+              <a:rPr lang="zh-CN" altLang="en-US" dirty="0"/>
+              <a:t>提高性能，使用 </a:t>
+            </a:r>
+            <a:r>
+              <a:rPr lang="en-US" altLang="zh-CN" dirty="0"/>
+              <a:t>base62x </a:t>
+            </a:r>
+            <a:r>
+              <a:rPr lang="zh-CN" altLang="en-US" dirty="0"/>
+              <a:t>代替 </a:t>
+            </a:r>
+            <a:r>
+              <a:rPr lang="en-US" altLang="zh-CN" dirty="0"/>
+              <a:t>hex</a:t>
+            </a:r>
+            <a:r>
+              <a:rPr lang="zh-CN" altLang="en-US" dirty="0"/>
+              <a:t>，使 </a:t>
+            </a:r>
+            <a:r>
+              <a:rPr lang="en-US" altLang="zh-CN" dirty="0"/>
+              <a:t>MTU </a:t>
+            </a:r>
+            <a:r>
+              <a:rPr lang="zh-CN" altLang="en-US" dirty="0"/>
+              <a:t>从 </a:t>
+            </a:r>
+            <a:r>
+              <a:rPr lang="en-US" altLang="zh-CN" dirty="0"/>
+              <a:t>100 </a:t>
+            </a:r>
+            <a:r>
+              <a:rPr lang="zh-CN" altLang="en-US" dirty="0"/>
+              <a:t>扩大为 </a:t>
+            </a:r>
+            <a:r>
+              <a:rPr lang="en-US" altLang="zh-CN" dirty="0"/>
+              <a:t>150</a:t>
+            </a:r>
+          </a:p>
+          <a:p>
+            <a:r>
+              <a:rPr lang="zh-CN" altLang="en-US" dirty="0"/>
+              <a:t>提高便利性，安装脚本，启动脚本，参数可在配置文件中修改</a:t>
+            </a:r>
+            <a:endParaRPr lang="en-US" altLang="zh-CN" dirty="0"/>
+          </a:p>
+        </p:txBody>
+      </p:sp>
+    </p:spTree>
+    <p:extLst>
+      <p:ext uri="{BB962C8B-B14F-4D97-AF65-F5344CB8AC3E}">
+        <p14:creationId xmlns:p14="http://schemas.microsoft.com/office/powerpoint/2010/main" val="2969646239"/>
+      </p:ext>
+    </p:extLst>
+  </p:cSld>
+  <p:clrMapOvr>
+    <a:masterClrMapping/>
+  </p:clrMapOvr>
+  <mc:AlternateContent xmlns:mc="http://schemas.openxmlformats.org/markup-compatibility/2006" xmlns:p14="http://schemas.microsoft.com/office/powerpoint/2010/main">
+    <mc:Choice Requires="p14">
+      <p:transition spd="med" p14:dur="700">
+        <p:fade/>
+      </p:transition>
+    </mc:Choice>
+    <mc:Fallback xmlns="">
+      <p:transition spd="med">
+        <p:fade/>
+      </p:transition>
+    </mc:Fallback>
+  </mc:AlternateContent>
+</p:sld>
+</file>
+
+<file path=ppt/slides/slide11.xml><?xml version="1.0" encoding="utf-8"?>
+<p:sld xmlns:a="http://schemas.openxmlformats.org/drawingml/2006/main" xmlns:r="http://schemas.openxmlformats.org/officeDocument/2006/relationships" xmlns:p="http://schemas.openxmlformats.org/presentationml/2006/main">
+  <p:cSld>
+    <p:spTree>
+      <p:nvGrpSpPr>
+        <p:cNvPr id="1" name=""/>
+        <p:cNvGrpSpPr/>
+        <p:nvPr/>
+      </p:nvGrpSpPr>
+      <p:grpSpPr>
+        <a:xfrm>
+          <a:off x="0" y="0"/>
+          <a:ext cx="0" cy="0"/>
+          <a:chOff x="0" y="0"/>
+          <a:chExt cx="0" cy="0"/>
+        </a:xfrm>
+      </p:grpSpPr>
+      <p:sp>
+        <p:nvSpPr>
+          <p:cNvPr id="2" name="标题 1">
+            <a:extLst>
+              <a:ext uri="{FF2B5EF4-FFF2-40B4-BE49-F238E27FC236}">
+                <a16:creationId xmlns:a16="http://schemas.microsoft.com/office/drawing/2014/main" id="{5D264100-302E-40E7-A937-DA90C37B3A5D}"/>
+              </a:ext>
+            </a:extLst>
+          </p:cNvPr>
+          <p:cNvSpPr>
+            <a:spLocks noGrp="1"/>
+          </p:cNvSpPr>
+          <p:nvPr>
+            <p:ph type="title"/>
+          </p:nvPr>
+        </p:nvSpPr>
+        <p:spPr/>
+        <p:txBody>
+          <a:bodyPr/>
+          <a:lstStyle/>
+          <a:p>
+            <a:r>
+              <a:rPr lang="en-US" altLang="zh-CN" dirty="0"/>
+              <a:t>Thanks!</a:t>
+            </a:r>
+            <a:endParaRPr lang="zh-CN" altLang="en-US" dirty="0"/>
+          </a:p>
+        </p:txBody>
+      </p:sp>
+      <p:sp>
+        <p:nvSpPr>
+          <p:cNvPr id="3" name="文本占位符 2">
+            <a:extLst>
+              <a:ext uri="{FF2B5EF4-FFF2-40B4-BE49-F238E27FC236}">
+                <a16:creationId xmlns:a16="http://schemas.microsoft.com/office/drawing/2014/main" id="{B8FB07B5-D5D7-46E6-9FA8-A7FF73529695}"/>
+              </a:ext>
+            </a:extLst>
+          </p:cNvPr>
+          <p:cNvSpPr>
+            <a:spLocks noGrp="1"/>
+          </p:cNvSpPr>
+          <p:nvPr>
+            <p:ph type="body" idx="1"/>
+          </p:nvPr>
+        </p:nvSpPr>
+        <p:spPr/>
+        <p:txBody>
+          <a:bodyPr/>
+          <a:lstStyle/>
+          <a:p>
+            <a:r>
+              <a:rPr lang="en-US" altLang="zh-CN" dirty="0"/>
+              <a:t>Any questions?</a:t>
+            </a:r>
+            <a:endParaRPr lang="zh-CN" altLang="en-US" dirty="0"/>
+          </a:p>
+        </p:txBody>
+      </p:sp>
+    </p:spTree>
+    <p:extLst>
+      <p:ext uri="{BB962C8B-B14F-4D97-AF65-F5344CB8AC3E}">
+        <p14:creationId xmlns:p14="http://schemas.microsoft.com/office/powerpoint/2010/main" val="2434196849"/>
+      </p:ext>
+    </p:extLst>
+  </p:cSld>
+  <p:clrMapOvr>
+    <a:masterClrMapping/>
+  </p:clrMapOvr>
+  <mc:AlternateContent xmlns:mc="http://schemas.openxmlformats.org/markup-compatibility/2006" xmlns:p14="http://schemas.microsoft.com/office/powerpoint/2010/main">
+    <mc:Choice Requires="p14">
+      <p:transition spd="med" p14:dur="700">
+        <p:fade/>
+      </p:transition>
+    </mc:Choice>
+    <mc:Fallback xmlns="">
+      <p:transition spd="med">
+        <p:fade/>
+      </p:transition>
+    </mc:Fallback>
+  </mc:AlternateContent>
+</p:sld>
+</file>
+
 <file path=ppt/slides/slide2.xml><?xml version="1.0" encoding="utf-8"?>
 <p:sld xmlns:a="http://schemas.openxmlformats.org/drawingml/2006/main" xmlns:r="http://schemas.openxmlformats.org/officeDocument/2006/relationships" xmlns:p="http://schemas.openxmlformats.org/presentationml/2006/main">
   <p:cSld>
@@ -5156,6 +5628,144 @@
           <a:bodyPr rtlCol="0"/>
           <a:lstStyle/>
           <a:p>
+            <a:r>
+              <a:rPr lang="en-US" altLang="zh-CN" dirty="0"/>
+              <a:t>The challenges </a:t>
+            </a:r>
+            <a:endParaRPr lang="zh-cn" dirty="0"/>
+          </a:p>
+        </p:txBody>
+      </p:sp>
+      <p:sp>
+        <p:nvSpPr>
+          <p:cNvPr id="5" name="内容占位符 2">
+            <a:extLst>
+              <a:ext uri="{FF2B5EF4-FFF2-40B4-BE49-F238E27FC236}">
+                <a16:creationId xmlns:a16="http://schemas.microsoft.com/office/drawing/2014/main" id="{23E95F43-0028-4971-99AA-AE50269A114A}"/>
+              </a:ext>
+            </a:extLst>
+          </p:cNvPr>
+          <p:cNvSpPr>
+            <a:spLocks noGrp="1"/>
+          </p:cNvSpPr>
+          <p:nvPr>
+            <p:ph idx="1"/>
+          </p:nvPr>
+        </p:nvSpPr>
+        <p:spPr>
+          <a:xfrm>
+            <a:off x="1067678" y="1916832"/>
+            <a:ext cx="8686801" cy="4191000"/>
+          </a:xfrm>
+        </p:spPr>
+        <p:txBody>
+          <a:bodyPr rtlCol="0"/>
+          <a:lstStyle/>
+          <a:p>
+            <a:r>
+              <a:rPr lang="zh-CN" altLang="en-US" dirty="0"/>
+              <a:t>encoding, </a:t>
+            </a:r>
+            <a:r>
+              <a:rPr lang="en-US" altLang="zh-CN" dirty="0"/>
+              <a:t>Use hex, base64, base62</a:t>
+            </a:r>
+            <a:endParaRPr lang="zh-CN" altLang="en-US" dirty="0"/>
+          </a:p>
+          <a:p>
+            <a:r>
+              <a:rPr lang="en-US" altLang="zh-CN" dirty="0"/>
+              <a:t>a</a:t>
+            </a:r>
+            <a:r>
+              <a:rPr lang="zh-CN" altLang="en-US" dirty="0"/>
+              <a:t>symmetry</a:t>
+            </a:r>
+            <a:r>
+              <a:rPr lang="en-US" altLang="zh-CN" dirty="0"/>
+              <a:t>, client polling (use msg, fetch)</a:t>
+            </a:r>
+          </a:p>
+          <a:p>
+            <a:r>
+              <a:rPr lang="en-US" altLang="zh-CN" dirty="0"/>
+              <a:t>f</a:t>
+            </a:r>
+            <a:r>
+              <a:rPr lang="zh-CN" altLang="en-US" dirty="0"/>
+              <a:t>ragmentation</a:t>
+            </a:r>
+            <a:r>
+              <a:rPr lang="en-US" altLang="zh-CN" dirty="0"/>
+              <a:t>, set MTU</a:t>
+            </a:r>
+          </a:p>
+          <a:p>
+            <a:r>
+              <a:rPr lang="en-US" altLang="zh-CN" dirty="0"/>
+              <a:t>Low performance</a:t>
+            </a:r>
+            <a:endParaRPr lang="zh-cn" dirty="0"/>
+          </a:p>
+        </p:txBody>
+      </p:sp>
+    </p:spTree>
+    <p:extLst>
+      <p:ext uri="{BB962C8B-B14F-4D97-AF65-F5344CB8AC3E}">
+        <p14:creationId xmlns:p14="http://schemas.microsoft.com/office/powerpoint/2010/main" val="3471244584"/>
+      </p:ext>
+    </p:extLst>
+  </p:cSld>
+  <p:clrMapOvr>
+    <a:masterClrMapping/>
+  </p:clrMapOvr>
+  <mc:AlternateContent xmlns:mc="http://schemas.openxmlformats.org/markup-compatibility/2006" xmlns:p14="http://schemas.microsoft.com/office/powerpoint/2010/main">
+    <mc:Choice Requires="p14">
+      <p:transition spd="med" p14:dur="700">
+        <p:fade/>
+      </p:transition>
+    </mc:Choice>
+    <mc:Fallback xmlns="">
+      <p:transition spd="med">
+        <p:fade/>
+      </p:transition>
+    </mc:Fallback>
+  </mc:AlternateContent>
+</p:sld>
+</file>
+
+<file path=ppt/slides/slide6.xml><?xml version="1.0" encoding="utf-8"?>
+<p:sld xmlns:a="http://schemas.openxmlformats.org/drawingml/2006/main" xmlns:r="http://schemas.openxmlformats.org/officeDocument/2006/relationships" xmlns:p="http://schemas.openxmlformats.org/presentationml/2006/main">
+  <p:cSld>
+    <p:spTree>
+      <p:nvGrpSpPr>
+        <p:cNvPr id="1" name=""/>
+        <p:cNvGrpSpPr/>
+        <p:nvPr/>
+      </p:nvGrpSpPr>
+      <p:grpSpPr>
+        <a:xfrm>
+          <a:off x="0" y="0"/>
+          <a:ext cx="0" cy="0"/>
+          <a:chOff x="0" y="0"/>
+          <a:chExt cx="0" cy="0"/>
+        </a:xfrm>
+      </p:grpSpPr>
+      <p:sp>
+        <p:nvSpPr>
+          <p:cNvPr id="2" name="标题 1"/>
+          <p:cNvSpPr>
+            <a:spLocks noGrp="1"/>
+          </p:cNvSpPr>
+          <p:nvPr>
+            <p:ph type="title"/>
+          </p:nvPr>
+        </p:nvSpPr>
+        <p:spPr/>
+        <p:txBody>
+          <a:bodyPr rtlCol="0"/>
+          <a:lstStyle/>
+          <a:p>
             <a:pPr rtl="0"/>
             <a:r>
               <a:rPr lang="en-US" altLang="zh-CN" dirty="0"/>
@@ -5218,7 +5828,7 @@
             <a:pPr lvl="1"/>
             <a:r>
               <a:rPr lang="en-US" altLang="zh-CN" dirty="0"/>
-              <a:t>Base encode without plus (+) and equal(=).</a:t>
+              <a:t>Base encode without plus (+) and equal(/).</a:t>
             </a:r>
           </a:p>
           <a:p>
@@ -5258,7 +5868,7 @@
 </p:sld>
 </file>
 
-<file path=ppt/slides/slide6.xml><?xml version="1.0" encoding="utf-8"?>
+<file path=ppt/slides/slide7.xml><?xml version="1.0" encoding="utf-8"?>
 <p:sld xmlns:a="http://schemas.openxmlformats.org/drawingml/2006/main" xmlns:r="http://schemas.openxmlformats.org/officeDocument/2006/relationships" xmlns:p="http://schemas.openxmlformats.org/presentationml/2006/main">
   <p:cSld>
     <p:spTree>
@@ -5463,7 +6073,7 @@
 </p:sld>
 </file>
 
-<file path=ppt/slides/slide7.xml><?xml version="1.0" encoding="utf-8"?>
+<file path=ppt/slides/slide8.xml><?xml version="1.0" encoding="utf-8"?>
 <p:sld xmlns:a="http://schemas.openxmlformats.org/drawingml/2006/main" xmlns:r="http://schemas.openxmlformats.org/officeDocument/2006/relationships" xmlns:p="http://schemas.openxmlformats.org/presentationml/2006/main">
   <p:cSld>
     <p:spTree>
@@ -5606,7 +6216,7 @@
 </p:sld>
 </file>
 
-<file path=ppt/slides/slide8.xml><?xml version="1.0" encoding="utf-8"?>
+<file path=ppt/slides/slide9.xml><?xml version="1.0" encoding="utf-8"?>
 <p:sld xmlns:a="http://schemas.openxmlformats.org/drawingml/2006/main" xmlns:r="http://schemas.openxmlformats.org/officeDocument/2006/relationships" xmlns:p="http://schemas.openxmlformats.org/presentationml/2006/main">
   <p:cSld>
     <p:spTree>
@@ -5692,106 +6302,6 @@
     <p:extLst>
       <p:ext uri="{BB962C8B-B14F-4D97-AF65-F5344CB8AC3E}">
         <p14:creationId xmlns:p14="http://schemas.microsoft.com/office/powerpoint/2010/main" val="4249697356"/>
-      </p:ext>
-    </p:extLst>
-  </p:cSld>
-  <p:clrMapOvr>
-    <a:masterClrMapping/>
-  </p:clrMapOvr>
-  <mc:AlternateContent xmlns:mc="http://schemas.openxmlformats.org/markup-compatibility/2006" xmlns:p14="http://schemas.microsoft.com/office/powerpoint/2010/main">
-    <mc:Choice Requires="p14">
-      <p:transition spd="med" p14:dur="700">
-        <p:fade/>
-      </p:transition>
-    </mc:Choice>
-    <mc:Fallback xmlns="">
-      <p:transition spd="med">
-        <p:fade/>
-      </p:transition>
-    </mc:Fallback>
-  </mc:AlternateContent>
-</p:sld>
-</file>
-
-<file path=ppt/slides/slide9.xml><?xml version="1.0" encoding="utf-8"?>
-<p:sld xmlns:a="http://schemas.openxmlformats.org/drawingml/2006/main" xmlns:r="http://schemas.openxmlformats.org/officeDocument/2006/relationships" xmlns:p="http://schemas.openxmlformats.org/presentationml/2006/main">
-  <p:cSld>
-    <p:spTree>
-      <p:nvGrpSpPr>
-        <p:cNvPr id="1" name=""/>
-        <p:cNvGrpSpPr/>
-        <p:nvPr/>
-      </p:nvGrpSpPr>
-      <p:grpSpPr>
-        <a:xfrm>
-          <a:off x="0" y="0"/>
-          <a:ext cx="0" cy="0"/>
-          <a:chOff x="0" y="0"/>
-          <a:chExt cx="0" cy="0"/>
-        </a:xfrm>
-      </p:grpSpPr>
-      <p:sp>
-        <p:nvSpPr>
-          <p:cNvPr id="2" name="标题 1">
-            <a:extLst>
-              <a:ext uri="{FF2B5EF4-FFF2-40B4-BE49-F238E27FC236}">
-                <a16:creationId xmlns:a16="http://schemas.microsoft.com/office/drawing/2014/main" id="{5D264100-302E-40E7-A937-DA90C37B3A5D}"/>
-              </a:ext>
-            </a:extLst>
-          </p:cNvPr>
-          <p:cNvSpPr>
-            <a:spLocks noGrp="1"/>
-          </p:cNvSpPr>
-          <p:nvPr>
-            <p:ph type="title"/>
-          </p:nvPr>
-        </p:nvSpPr>
-        <p:spPr/>
-        <p:txBody>
-          <a:bodyPr/>
-          <a:lstStyle/>
-          <a:p>
-            <a:r>
-              <a:rPr lang="en-US" altLang="zh-CN" dirty="0"/>
-              <a:t>Thanks!</a:t>
-            </a:r>
-            <a:endParaRPr lang="zh-CN" altLang="en-US" dirty="0"/>
-          </a:p>
-        </p:txBody>
-      </p:sp>
-      <p:sp>
-        <p:nvSpPr>
-          <p:cNvPr id="3" name="文本占位符 2">
-            <a:extLst>
-              <a:ext uri="{FF2B5EF4-FFF2-40B4-BE49-F238E27FC236}">
-                <a16:creationId xmlns:a16="http://schemas.microsoft.com/office/drawing/2014/main" id="{B8FB07B5-D5D7-46E6-9FA8-A7FF73529695}"/>
-              </a:ext>
-            </a:extLst>
-          </p:cNvPr>
-          <p:cNvSpPr>
-            <a:spLocks noGrp="1"/>
-          </p:cNvSpPr>
-          <p:nvPr>
-            <p:ph type="body" idx="1"/>
-          </p:nvPr>
-        </p:nvSpPr>
-        <p:spPr/>
-        <p:txBody>
-          <a:bodyPr/>
-          <a:lstStyle/>
-          <a:p>
-            <a:r>
-              <a:rPr lang="en-US" altLang="zh-CN" dirty="0"/>
-              <a:t>Any questions?</a:t>
-            </a:r>
-            <a:endParaRPr lang="zh-CN" altLang="en-US" dirty="0"/>
-          </a:p>
-        </p:txBody>
-      </p:sp>
-    </p:spTree>
-    <p:extLst>
-      <p:ext uri="{BB962C8B-B14F-4D97-AF65-F5344CB8AC3E}">
-        <p14:creationId xmlns:p14="http://schemas.microsoft.com/office/powerpoint/2010/main" val="2434196849"/>
       </p:ext>
     </p:extLst>
   </p:cSld>
@@ -6652,6 +7162,26 @@
 </file>
 
 <file path=customXml/item1.xml><?xml version="1.0" encoding="utf-8"?>
+<?mso-contentType ?>
+<FormTemplates xmlns="http://schemas.microsoft.com/sharepoint/v3/contenttype/forms">
+  <Display>DocumentLibraryForm</Display>
+  <Edit>DocumentLibraryForm</Edit>
+  <New>DocumentLibraryForm</New>
+</FormTemplates>
+</file>
+
+<file path=customXml/item2.xml><?xml version="1.0" encoding="utf-8"?>
+<p:properties xmlns:p="http://schemas.microsoft.com/office/2006/metadata/properties" xmlns:xsi="http://www.w3.org/2001/XMLSchema-instance" xmlns:pc="http://schemas.microsoft.com/office/infopath/2007/PartnerControls">
+  <documentManagement>
+    <VSO_x0020_item_x0020_id xmlns="40262f94-9f35-4ac3-9a90-690165a166b7" xsi:nil="true"/>
+    <Assetid_x0020_ xmlns="40262f94-9f35-4ac3-9a90-690165a166b7" xsi:nil="true"/>
+    <Item_x0020_Details xmlns="40262f94-9f35-4ac3-9a90-690165a166b7" xsi:nil="true"/>
+    <Template_x0020_details xmlns="40262f94-9f35-4ac3-9a90-690165a166b7" xsi:nil="true"/>
+  </documentManagement>
+</p:properties>
+</file>
+
+<file path=customXml/item3.xml><?xml version="1.0" encoding="utf-8"?>
 <ct:contentTypeSchema xmlns:ct="http://schemas.microsoft.com/office/2006/metadata/contentType" xmlns:ma="http://schemas.microsoft.com/office/2006/metadata/properties/metaAttributes" ct:_="" ma:_="" ma:contentTypeName="Document" ma:contentTypeID="0x010100AA3F7D94069FF64A86F7DFF56D60E3BE" ma:contentTypeVersion="6" ma:contentTypeDescription="Create a new document." ma:contentTypeScope="" ma:versionID="c32302c77d4085ecf495bdddb7f5e889">
   <xsd:schema xmlns:xsd="http://www.w3.org/2001/XMLSchema" xmlns:xs="http://www.w3.org/2001/XMLSchema" xmlns:p="http://schemas.microsoft.com/office/2006/metadata/properties" xmlns:ns2="a4f35948-e619-41b3-aa29-22878b09cfd2" xmlns:ns3="40262f94-9f35-4ac3-9a90-690165a166b7" targetNamespace="http://schemas.microsoft.com/office/2006/metadata/properties" ma:root="true" ma:fieldsID="4ab5ae46be95f9d0be6107e8200be7a2" ns2:_="" ns3:_="">
     <xsd:import namespace="a4f35948-e619-41b3-aa29-22878b09cfd2"/>
@@ -6832,27 +7362,25 @@
 </ct:contentTypeSchema>
 </file>
 
-<file path=customXml/item2.xml><?xml version="1.0" encoding="utf-8"?>
-<p:properties xmlns:p="http://schemas.microsoft.com/office/2006/metadata/properties" xmlns:xsi="http://www.w3.org/2001/XMLSchema-instance" xmlns:pc="http://schemas.microsoft.com/office/infopath/2007/PartnerControls">
-  <documentManagement>
-    <VSO_x0020_item_x0020_id xmlns="40262f94-9f35-4ac3-9a90-690165a166b7" xsi:nil="true"/>
-    <Assetid_x0020_ xmlns="40262f94-9f35-4ac3-9a90-690165a166b7" xsi:nil="true"/>
-    <Item_x0020_Details xmlns="40262f94-9f35-4ac3-9a90-690165a166b7" xsi:nil="true"/>
-    <Template_x0020_details xmlns="40262f94-9f35-4ac3-9a90-690165a166b7" xsi:nil="true"/>
-  </documentManagement>
-</p:properties>
+<file path=customXml/itemProps1.xml><?xml version="1.0" encoding="utf-8"?>
+<ds:datastoreItem xmlns:ds="http://schemas.openxmlformats.org/officeDocument/2006/customXml" ds:itemID="{653E1689-1E09-4ADC-A5E7-6718BF79A8A6}">
+  <ds:schemaRefs>
+    <ds:schemaRef ds:uri="http://schemas.microsoft.com/sharepoint/v3/contenttype/forms"/>
+  </ds:schemaRefs>
+</ds:datastoreItem>
 </file>
 
-<file path=customXml/item3.xml><?xml version="1.0" encoding="utf-8"?>
-<?mso-contentType ?>
-<FormTemplates xmlns="http://schemas.microsoft.com/sharepoint/v3/contenttype/forms">
-  <Display>DocumentLibraryForm</Display>
-  <Edit>DocumentLibraryForm</Edit>
-  <New>DocumentLibraryForm</New>
-</FormTemplates>
+<file path=customXml/itemProps2.xml><?xml version="1.0" encoding="utf-8"?>
+<ds:datastoreItem xmlns:ds="http://schemas.openxmlformats.org/officeDocument/2006/customXml" ds:itemID="{3FFF1070-8794-47AC-90B7-1F2E078096FF}">
+  <ds:schemaRefs>
+    <ds:schemaRef ds:uri="http://schemas.microsoft.com/office/2006/metadata/properties"/>
+    <ds:schemaRef ds:uri="http://schemas.microsoft.com/office/infopath/2007/PartnerControls"/>
+    <ds:schemaRef ds:uri="40262f94-9f35-4ac3-9a90-690165a166b7"/>
+  </ds:schemaRefs>
+</ds:datastoreItem>
 </file>
 
-<file path=customXml/itemProps1.xml><?xml version="1.0" encoding="utf-8"?>
+<file path=customXml/itemProps3.xml><?xml version="1.0" encoding="utf-8"?>
 <ds:datastoreItem xmlns:ds="http://schemas.openxmlformats.org/officeDocument/2006/customXml" ds:itemID="{7CB30B94-6D3B-4C91-947C-5EB8E8EFFE4F}">
   <ds:schemaRefs>
     <ds:schemaRef ds:uri="http://schemas.microsoft.com/office/2006/metadata/contentType"/>
@@ -6869,29 +7397,4 @@
     <ds:schemaRef ds:uri="http://schemas.microsoft.com/internal/obd"/>
   </ds:schemaRefs>
 </ds:datastoreItem>
-</file>
-
-<file path=customXml/itemProps2.xml><?xml version="1.0" encoding="utf-8"?>
-<ds:datastoreItem xmlns:ds="http://schemas.openxmlformats.org/officeDocument/2006/customXml" ds:itemID="{3FFF1070-8794-47AC-90B7-1F2E078096FF}">
-  <ds:schemaRefs>
-    <ds:schemaRef ds:uri="http://purl.org/dc/terms/"/>
-    <ds:schemaRef ds:uri="http://schemas.openxmlformats.org/package/2006/metadata/core-properties"/>
-    <ds:schemaRef ds:uri="http://schemas.microsoft.com/office/2006/documentManagement/types"/>
-    <ds:schemaRef ds:uri="http://purl.org/dc/dcmitype/"/>
-    <ds:schemaRef ds:uri="http://schemas.microsoft.com/office/infopath/2007/PartnerControls"/>
-    <ds:schemaRef ds:uri="http://purl.org/dc/elements/1.1/"/>
-    <ds:schemaRef ds:uri="http://schemas.microsoft.com/office/2006/metadata/properties"/>
-    <ds:schemaRef ds:uri="40262f94-9f35-4ac3-9a90-690165a166b7"/>
-    <ds:schemaRef ds:uri="a4f35948-e619-41b3-aa29-22878b09cfd2"/>
-    <ds:schemaRef ds:uri="http://www.w3.org/XML/1998/namespace"/>
-  </ds:schemaRefs>
-</ds:datastoreItem>
-</file>
-
-<file path=customXml/itemProps3.xml><?xml version="1.0" encoding="utf-8"?>
-<ds:datastoreItem xmlns:ds="http://schemas.openxmlformats.org/officeDocument/2006/customXml" ds:itemID="{653E1689-1E09-4ADC-A5E7-6718BF79A8A6}">
-  <ds:schemaRefs>
-    <ds:schemaRef ds:uri="http://schemas.microsoft.com/sharepoint/v3/contenttype/forms"/>
-  </ds:schemaRefs>
-</ds:datastoreItem>
 </file>